--- a/Report_1/Inverse Design via Machine Learning.pptx
+++ b/Report_1/Inverse Design via Machine Learning.pptx
@@ -118,6 +118,11 @@
       </a:defRPr>
     </a:lvl9pPr>
   </p:defaultTextStyle>
+  <p:extLst>
+    <p:ext uri="{EFAFB233-063F-42B5-8137-9DF3F51BA10A}">
+      <p15:sldGuideLst xmlns:p15="http://schemas.microsoft.com/office/powerpoint/2012/main"/>
+    </p:ext>
+  </p:extLst>
 </p:presentation>
 </file>
 
@@ -3742,7 +3747,12 @@
             <p:ph idx="1"/>
           </p:nvPr>
         </p:nvSpPr>
-        <p:spPr/>
+        <p:spPr>
+          <a:xfrm>
+            <a:off x="838200" y="1621438"/>
+            <a:ext cx="10515600" cy="4351338"/>
+          </a:xfrm>
+        </p:spPr>
         <p:txBody>
           <a:bodyPr/>
           <a:lstStyle/>
@@ -3766,6 +3776,41 @@
           </a:p>
         </p:txBody>
       </p:sp>
+      <p:pic>
+        <p:nvPicPr>
+          <p:cNvPr id="4" name="Picture 3" descr="A close up of text on a whiteboard&#10;&#10;Description automatically generated">
+            <a:extLst>
+              <a:ext uri="{FF2B5EF4-FFF2-40B4-BE49-F238E27FC236}">
+                <a16:creationId xmlns:a16="http://schemas.microsoft.com/office/drawing/2014/main" id="{E62F3C74-1543-4B4D-8457-57676E7FAEA3}"/>
+              </a:ext>
+            </a:extLst>
+          </p:cNvPr>
+          <p:cNvPicPr>
+            <a:picLocks noChangeAspect="1"/>
+          </p:cNvPicPr>
+          <p:nvPr/>
+        </p:nvPicPr>
+        <p:blipFill rotWithShape="1">
+          <a:blip r:embed="rId2">
+            <a:extLst>
+              <a:ext uri="{28A0092B-C50C-407E-A947-70E740481C1C}">
+                <a14:useLocalDpi xmlns:a14="http://schemas.microsoft.com/office/drawing/2010/main" val="0"/>
+              </a:ext>
+            </a:extLst>
+          </a:blip>
+          <a:srcRect l="3195" t="21296" r="278" b="32778"/>
+          <a:stretch/>
+        </p:blipFill>
+        <p:spPr>
+          <a:xfrm>
+            <a:off x="1909640" y="3568484"/>
+            <a:ext cx="8372719" cy="2987676"/>
+          </a:xfrm>
+          <a:prstGeom prst="rect">
+            <a:avLst/>
+          </a:prstGeom>
+        </p:spPr>
+      </p:pic>
     </p:spTree>
     <p:extLst>
       <p:ext uri="{BB962C8B-B14F-4D97-AF65-F5344CB8AC3E}">
@@ -4059,6 +4104,12 @@
           <a:p>
             <a:r>
               <a:rPr lang="en-US" dirty="0"/>
+              <a:t>Activate and deactivate angle lines</a:t>
+            </a:r>
+          </a:p>
+          <a:p>
+            <a:r>
+              <a:rPr lang="en-US" dirty="0"/>
               <a:t>Complex poly structure requires heavy computations -&gt; use workstation or </a:t>
             </a:r>
             <a:r>
@@ -4081,41 +4132,6 @@
           </a:p>
         </p:txBody>
       </p:sp>
-      <p:pic>
-        <p:nvPicPr>
-          <p:cNvPr id="4" name="Picture 3" descr="A close up of text on a whiteboard&#10;&#10;Description automatically generated">
-            <a:extLst>
-              <a:ext uri="{FF2B5EF4-FFF2-40B4-BE49-F238E27FC236}">
-                <a16:creationId xmlns:a16="http://schemas.microsoft.com/office/drawing/2014/main" id="{6636C784-63F5-4D70-B58B-6E27457D5E65}"/>
-              </a:ext>
-            </a:extLst>
-          </p:cNvPr>
-          <p:cNvPicPr>
-            <a:picLocks noChangeAspect="1"/>
-          </p:cNvPicPr>
-          <p:nvPr/>
-        </p:nvPicPr>
-        <p:blipFill rotWithShape="1">
-          <a:blip r:embed="rId2">
-            <a:extLst>
-              <a:ext uri="{28A0092B-C50C-407E-A947-70E740481C1C}">
-                <a14:useLocalDpi xmlns:a14="http://schemas.microsoft.com/office/drawing/2010/main" val="0"/>
-              </a:ext>
-            </a:extLst>
-          </a:blip>
-          <a:srcRect l="3195" t="21296" r="278" b="32778"/>
-          <a:stretch/>
-        </p:blipFill>
-        <p:spPr>
-          <a:xfrm>
-            <a:off x="1909640" y="3505199"/>
-            <a:ext cx="8372719" cy="2987676"/>
-          </a:xfrm>
-          <a:prstGeom prst="rect">
-            <a:avLst/>
-          </a:prstGeom>
-        </p:spPr>
-      </p:pic>
     </p:spTree>
     <p:extLst>
       <p:ext uri="{BB962C8B-B14F-4D97-AF65-F5344CB8AC3E}">
@@ -4929,7 +4945,7 @@
           <a:p>
             <a:r>
               <a:rPr lang="en-US" dirty="0"/>
-              <a:t>Limited spectrum precision -&gt; Smaller steps, greater , longer data generating process, need workstation or </a:t>
+              <a:t>Limited spectrum precision -&gt; Smaller steps, greater resolution -&gt; longer data generating process, need workstation or </a:t>
             </a:r>
             <a:r>
               <a:rPr lang="en-US" dirty="0" err="1"/>

--- a/Report_1/Inverse Design via Machine Learning.pptx
+++ b/Report_1/Inverse Design via Machine Learning.pptx
@@ -273,7 +273,7 @@
           <a:p>
             <a:fld id="{E2353E6C-5296-48A6-9FB4-038F083D0E3E}" type="datetimeFigureOut">
               <a:rPr lang="en-US" smtClean="0"/>
-              <a:t>6/7/2019</a:t>
+              <a:t>6/10/2019</a:t>
             </a:fld>
             <a:endParaRPr lang="en-US"/>
           </a:p>
@@ -471,7 +471,7 @@
           <a:p>
             <a:fld id="{E2353E6C-5296-48A6-9FB4-038F083D0E3E}" type="datetimeFigureOut">
               <a:rPr lang="en-US" smtClean="0"/>
-              <a:t>6/7/2019</a:t>
+              <a:t>6/10/2019</a:t>
             </a:fld>
             <a:endParaRPr lang="en-US"/>
           </a:p>
@@ -679,7 +679,7 @@
           <a:p>
             <a:fld id="{E2353E6C-5296-48A6-9FB4-038F083D0E3E}" type="datetimeFigureOut">
               <a:rPr lang="en-US" smtClean="0"/>
-              <a:t>6/7/2019</a:t>
+              <a:t>6/10/2019</a:t>
             </a:fld>
             <a:endParaRPr lang="en-US"/>
           </a:p>
@@ -877,7 +877,7 @@
           <a:p>
             <a:fld id="{E2353E6C-5296-48A6-9FB4-038F083D0E3E}" type="datetimeFigureOut">
               <a:rPr lang="en-US" smtClean="0"/>
-              <a:t>6/7/2019</a:t>
+              <a:t>6/10/2019</a:t>
             </a:fld>
             <a:endParaRPr lang="en-US"/>
           </a:p>
@@ -1152,7 +1152,7 @@
           <a:p>
             <a:fld id="{E2353E6C-5296-48A6-9FB4-038F083D0E3E}" type="datetimeFigureOut">
               <a:rPr lang="en-US" smtClean="0"/>
-              <a:t>6/7/2019</a:t>
+              <a:t>6/10/2019</a:t>
             </a:fld>
             <a:endParaRPr lang="en-US"/>
           </a:p>
@@ -1417,7 +1417,7 @@
           <a:p>
             <a:fld id="{E2353E6C-5296-48A6-9FB4-038F083D0E3E}" type="datetimeFigureOut">
               <a:rPr lang="en-US" smtClean="0"/>
-              <a:t>6/7/2019</a:t>
+              <a:t>6/10/2019</a:t>
             </a:fld>
             <a:endParaRPr lang="en-US"/>
           </a:p>
@@ -1829,7 +1829,7 @@
           <a:p>
             <a:fld id="{E2353E6C-5296-48A6-9FB4-038F083D0E3E}" type="datetimeFigureOut">
               <a:rPr lang="en-US" smtClean="0"/>
-              <a:t>6/7/2019</a:t>
+              <a:t>6/10/2019</a:t>
             </a:fld>
             <a:endParaRPr lang="en-US"/>
           </a:p>
@@ -1970,7 +1970,7 @@
           <a:p>
             <a:fld id="{E2353E6C-5296-48A6-9FB4-038F083D0E3E}" type="datetimeFigureOut">
               <a:rPr lang="en-US" smtClean="0"/>
-              <a:t>6/7/2019</a:t>
+              <a:t>6/10/2019</a:t>
             </a:fld>
             <a:endParaRPr lang="en-US"/>
           </a:p>
@@ -2083,7 +2083,7 @@
           <a:p>
             <a:fld id="{E2353E6C-5296-48A6-9FB4-038F083D0E3E}" type="datetimeFigureOut">
               <a:rPr lang="en-US" smtClean="0"/>
-              <a:t>6/7/2019</a:t>
+              <a:t>6/10/2019</a:t>
             </a:fld>
             <a:endParaRPr lang="en-US"/>
           </a:p>
@@ -2394,7 +2394,7 @@
           <a:p>
             <a:fld id="{E2353E6C-5296-48A6-9FB4-038F083D0E3E}" type="datetimeFigureOut">
               <a:rPr lang="en-US" smtClean="0"/>
-              <a:t>6/7/2019</a:t>
+              <a:t>6/10/2019</a:t>
             </a:fld>
             <a:endParaRPr lang="en-US"/>
           </a:p>
@@ -2682,7 +2682,7 @@
           <a:p>
             <a:fld id="{E2353E6C-5296-48A6-9FB4-038F083D0E3E}" type="datetimeFigureOut">
               <a:rPr lang="en-US" smtClean="0"/>
-              <a:t>6/7/2019</a:t>
+              <a:t>6/10/2019</a:t>
             </a:fld>
             <a:endParaRPr lang="en-US"/>
           </a:p>
@@ -2923,7 +2923,7 @@
           <a:p>
             <a:fld id="{E2353E6C-5296-48A6-9FB4-038F083D0E3E}" type="datetimeFigureOut">
               <a:rPr lang="en-US" smtClean="0"/>
-              <a:t>6/7/2019</a:t>
+              <a:t>6/10/2019</a:t>
             </a:fld>
             <a:endParaRPr lang="en-US"/>
           </a:p>
@@ -3497,13 +3497,8 @@
           <a:p>
             <a:r>
               <a:rPr lang="en-US" dirty="0"/>
-              <a:t>Generate poly by connecting coordinates in </a:t>
-            </a:r>
-            <a:r>
-              <a:rPr lang="en-US" dirty="0" err="1"/>
-              <a:t>sepquence</a:t>
-            </a:r>
-            <a:endParaRPr lang="en-US" dirty="0"/>
+              <a:t>Generate poly by connecting coordinates in sequence</a:t>
+            </a:r>
           </a:p>
           <a:p>
             <a:r>
@@ -3629,7 +3624,15 @@
           <a:p>
             <a:r>
               <a:rPr lang="en-US" dirty="0"/>
-              <a:t>Polar coordinates not the real pixel staff</a:t>
+              <a:t>Use the polar coordinate instead of </a:t>
+            </a:r>
+            <a:r>
+              <a:rPr lang="en-US" dirty="0" err="1"/>
+              <a:t>xy</a:t>
+            </a:r>
+            <a:r>
+              <a:rPr lang="en-US" dirty="0"/>
+              <a:t> coordinate (normal pixel thing)</a:t>
             </a:r>
           </a:p>
           <a:p>
@@ -3673,6 +3676,41 @@
           </a:p>
         </p:txBody>
       </p:sp>
+      <p:pic>
+        <p:nvPicPr>
+          <p:cNvPr id="4" name="Picture 3" descr="A close up of text on a whiteboard&#10;&#10;Description automatically generated">
+            <a:extLst>
+              <a:ext uri="{FF2B5EF4-FFF2-40B4-BE49-F238E27FC236}">
+                <a16:creationId xmlns:a16="http://schemas.microsoft.com/office/drawing/2014/main" id="{CB77D232-5F91-4D1A-9AFC-B90258E681B6}"/>
+              </a:ext>
+            </a:extLst>
+          </p:cNvPr>
+          <p:cNvPicPr>
+            <a:picLocks noChangeAspect="1"/>
+          </p:cNvPicPr>
+          <p:nvPr/>
+        </p:nvPicPr>
+        <p:blipFill rotWithShape="1">
+          <a:blip r:embed="rId2">
+            <a:extLst>
+              <a:ext uri="{28A0092B-C50C-407E-A947-70E740481C1C}">
+                <a14:useLocalDpi xmlns:a14="http://schemas.microsoft.com/office/drawing/2010/main" val="0"/>
+              </a:ext>
+            </a:extLst>
+          </a:blip>
+          <a:srcRect l="3195" t="21296" r="62927" b="32778"/>
+          <a:stretch/>
+        </p:blipFill>
+        <p:spPr>
+          <a:xfrm>
+            <a:off x="8310440" y="3616109"/>
+            <a:ext cx="2938585" cy="2987676"/>
+          </a:xfrm>
+          <a:prstGeom prst="rect">
+            <a:avLst/>
+          </a:prstGeom>
+        </p:spPr>
+      </p:pic>
     </p:spTree>
     <p:extLst>
       <p:ext uri="{BB962C8B-B14F-4D97-AF65-F5344CB8AC3E}">
@@ -4219,6 +4257,17 @@
           <a:p>
             <a:r>
               <a:rPr lang="en-US" dirty="0"/>
+              <a:t>Meanwhile </a:t>
+            </a:r>
+            <a:r>
+              <a:rPr lang="en-US"/>
+              <a:t>update algorithms </a:t>
+            </a:r>
+            <a:endParaRPr lang="en-US" dirty="0"/>
+          </a:p>
+          <a:p>
+            <a:r>
+              <a:rPr lang="en-US" dirty="0"/>
               <a:t>Training and see the result.</a:t>
             </a:r>
           </a:p>
@@ -4272,7 +4321,7 @@
         </p:nvSpPr>
         <p:spPr>
           <a:xfrm>
-            <a:off x="2524957" y="2103437"/>
+            <a:off x="838200" y="2103437"/>
             <a:ext cx="10515600" cy="1325563"/>
           </a:xfrm>
         </p:spPr>
@@ -4280,35 +4329,11 @@
           <a:bodyPr/>
           <a:lstStyle/>
           <a:p>
-            <a:r>
-              <a:rPr lang="en-US" dirty="0"/>
-              <a:t>Cylinder Unit Inverse Design</a:t>
-            </a:r>
-          </a:p>
-        </p:txBody>
-      </p:sp>
-      <p:sp>
-        <p:nvSpPr>
-          <p:cNvPr id="5" name="Content Placeholder 4">
-            <a:extLst>
-              <a:ext uri="{FF2B5EF4-FFF2-40B4-BE49-F238E27FC236}">
-                <a16:creationId xmlns:a16="http://schemas.microsoft.com/office/drawing/2014/main" id="{1864962D-D65C-498C-82FA-BCD49E24F681}"/>
-              </a:ext>
-            </a:extLst>
-          </p:cNvPr>
-          <p:cNvSpPr>
-            <a:spLocks noGrp="1"/>
-          </p:cNvSpPr>
-          <p:nvPr>
-            <p:ph idx="1"/>
-          </p:nvPr>
-        </p:nvSpPr>
-        <p:spPr/>
-        <p:txBody>
-          <a:bodyPr/>
-          <a:lstStyle/>
-          <a:p>
-            <a:endParaRPr lang="en-US" dirty="0"/>
+            <a:pPr algn="ctr"/>
+            <a:r>
+              <a:rPr lang="en-US" dirty="0"/>
+              <a:t>Cylinder Unit Inverse Design Using S4</a:t>
+            </a:r>
           </a:p>
         </p:txBody>
       </p:sp>
@@ -4520,7 +4545,23 @@
             </a:r>
             <a:r>
               <a:rPr lang="en-US" dirty="0"/>
-              <a:t> with 41 regression targets, a vector (1, 41).</a:t>
+              <a:t> with 41 regression targets, a vector (</a:t>
+            </a:r>
+            <a:r>
+              <a:rPr lang="en-US" altLang="zh-CN" dirty="0"/>
+              <a:t>4</a:t>
+            </a:r>
+            <a:r>
+              <a:rPr lang="en-US" dirty="0"/>
+              <a:t>1, </a:t>
+            </a:r>
+            <a:r>
+              <a:rPr lang="en-US" altLang="zh-CN" dirty="0"/>
+              <a:t>1</a:t>
+            </a:r>
+            <a:r>
+              <a:rPr lang="en-US" dirty="0"/>
+              <a:t>).</a:t>
             </a:r>
           </a:p>
           <a:p>
@@ -5050,6 +5091,35 @@
             <a:r>
               <a:rPr lang="en-US" dirty="0"/>
               <a:t>What’s shape look like?</a:t>
+            </a:r>
+          </a:p>
+          <a:p>
+            <a:pPr lvl="1"/>
+            <a:r>
+              <a:rPr lang="en-US" dirty="0"/>
+              <a:t>Consideration: Random shape not acceptable</a:t>
+            </a:r>
+          </a:p>
+          <a:p>
+            <a:pPr lvl="2"/>
+            <a:r>
+              <a:rPr lang="en-US" dirty="0"/>
+              <a:t>Hard to generate the real unit (sharp angle, narrow edge, </a:t>
+            </a:r>
+            <a:r>
+              <a:rPr lang="en-US" dirty="0" err="1"/>
+              <a:t>etc</a:t>
+            </a:r>
+            <a:r>
+              <a:rPr lang="en-US" dirty="0"/>
+              <a:t>)</a:t>
+            </a:r>
+          </a:p>
+          <a:p>
+            <a:pPr lvl="2"/>
+            <a:r>
+              <a:rPr lang="en-US" dirty="0"/>
+              <a:t>Hard to test the result (Using S4)</a:t>
             </a:r>
           </a:p>
           <a:p>

--- a/Report_1/Inverse Design via Machine Learning.pptx
+++ b/Report_1/Inverse Design via Machine Learning.pptx
@@ -4257,13 +4257,8 @@
           <a:p>
             <a:r>
               <a:rPr lang="en-US" dirty="0"/>
-              <a:t>Meanwhile </a:t>
-            </a:r>
-            <a:r>
-              <a:rPr lang="en-US"/>
-              <a:t>update algorithms </a:t>
-            </a:r>
-            <a:endParaRPr lang="en-US" dirty="0"/>
+              <a:t>Meanwhile update algorithms </a:t>
+            </a:r>
           </a:p>
           <a:p>
             <a:r>
@@ -4332,7 +4327,7 @@
             <a:pPr algn="ctr"/>
             <a:r>
               <a:rPr lang="en-US" dirty="0"/>
-              <a:t>Cylinder Unit Inverse Design Using S4</a:t>
+              <a:t>Cylinder Unit Inverse Design Using rcwaS4</a:t>
             </a:r>
           </a:p>
         </p:txBody>
